--- a/Bloque III. RC/III.2. Teoría de Grafos.pptx
+++ b/Bloque III. RC/III.2. Teoría de Grafos.pptx
@@ -231,7 +231,7 @@
             <a:fld id="{B3E16CF3-8537-4774-A9FC-A2A5296655A0}" type="datetimeFigureOut">
               <a:rPr lang="es-ES" smtClean="0"/>
               <a:pPr/>
-              <a:t>15/01/2017</a:t>
+              <a:t>28/06/2018</a:t>
             </a:fld>
             <a:endParaRPr lang="es-ES"/>
           </a:p>
@@ -769,7 +769,7 @@
             <a:fld id="{7A847CFC-816F-41D0-AAC0-9BF4FEBC753E}" type="datetimeFigureOut">
               <a:rPr lang="es-ES" smtClean="0"/>
               <a:pPr/>
-              <a:t>15/01/2017</a:t>
+              <a:t>28/06/2018</a:t>
             </a:fld>
             <a:endParaRPr lang="es-ES"/>
           </a:p>
@@ -936,7 +936,7 @@
             <a:fld id="{7A847CFC-816F-41D0-AAC0-9BF4FEBC753E}" type="datetimeFigureOut">
               <a:rPr lang="es-ES" smtClean="0"/>
               <a:pPr/>
-              <a:t>15/01/2017</a:t>
+              <a:t>28/06/2018</a:t>
             </a:fld>
             <a:endParaRPr lang="es-ES"/>
           </a:p>
@@ -1113,7 +1113,7 @@
             <a:fld id="{7A847CFC-816F-41D0-AAC0-9BF4FEBC753E}" type="datetimeFigureOut">
               <a:rPr lang="es-ES" smtClean="0"/>
               <a:pPr/>
-              <a:t>15/01/2017</a:t>
+              <a:t>28/06/2018</a:t>
             </a:fld>
             <a:endParaRPr lang="es-ES"/>
           </a:p>
@@ -2072,7 +2072,7 @@
             <a:fld id="{7A847CFC-816F-41D0-AAC0-9BF4FEBC753E}" type="datetimeFigureOut">
               <a:rPr lang="es-ES" smtClean="0"/>
               <a:pPr/>
-              <a:t>15/01/2017</a:t>
+              <a:t>28/06/2018</a:t>
             </a:fld>
             <a:endParaRPr lang="es-ES"/>
           </a:p>
@@ -2315,7 +2315,7 @@
             <a:fld id="{7A847CFC-816F-41D0-AAC0-9BF4FEBC753E}" type="datetimeFigureOut">
               <a:rPr lang="es-ES" smtClean="0"/>
               <a:pPr/>
-              <a:t>15/01/2017</a:t>
+              <a:t>28/06/2018</a:t>
             </a:fld>
             <a:endParaRPr lang="es-ES"/>
           </a:p>
@@ -2600,7 +2600,7 @@
             <a:fld id="{7A847CFC-816F-41D0-AAC0-9BF4FEBC753E}" type="datetimeFigureOut">
               <a:rPr lang="es-ES" smtClean="0"/>
               <a:pPr/>
-              <a:t>15/01/2017</a:t>
+              <a:t>28/06/2018</a:t>
             </a:fld>
             <a:endParaRPr lang="es-ES"/>
           </a:p>
@@ -3019,7 +3019,7 @@
             <a:fld id="{7A847CFC-816F-41D0-AAC0-9BF4FEBC753E}" type="datetimeFigureOut">
               <a:rPr lang="es-ES" smtClean="0"/>
               <a:pPr/>
-              <a:t>15/01/2017</a:t>
+              <a:t>28/06/2018</a:t>
             </a:fld>
             <a:endParaRPr lang="es-ES"/>
           </a:p>
@@ -3134,7 +3134,7 @@
             <a:fld id="{7A847CFC-816F-41D0-AAC0-9BF4FEBC753E}" type="datetimeFigureOut">
               <a:rPr lang="es-ES" smtClean="0"/>
               <a:pPr/>
-              <a:t>15/01/2017</a:t>
+              <a:t>28/06/2018</a:t>
             </a:fld>
             <a:endParaRPr lang="es-ES"/>
           </a:p>
@@ -3226,7 +3226,7 @@
             <a:fld id="{7A847CFC-816F-41D0-AAC0-9BF4FEBC753E}" type="datetimeFigureOut">
               <a:rPr lang="es-ES" smtClean="0"/>
               <a:pPr/>
-              <a:t>15/01/2017</a:t>
+              <a:t>28/06/2018</a:t>
             </a:fld>
             <a:endParaRPr lang="es-ES"/>
           </a:p>
@@ -3500,7 +3500,7 @@
             <a:fld id="{7A847CFC-816F-41D0-AAC0-9BF4FEBC753E}" type="datetimeFigureOut">
               <a:rPr lang="es-ES" smtClean="0"/>
               <a:pPr/>
-              <a:t>15/01/2017</a:t>
+              <a:t>28/06/2018</a:t>
             </a:fld>
             <a:endParaRPr lang="es-ES"/>
           </a:p>
@@ -3750,7 +3750,7 @@
             <a:fld id="{7A847CFC-816F-41D0-AAC0-9BF4FEBC753E}" type="datetimeFigureOut">
               <a:rPr lang="es-ES" smtClean="0"/>
               <a:pPr/>
-              <a:t>15/01/2017</a:t>
+              <a:t>28/06/2018</a:t>
             </a:fld>
             <a:endParaRPr lang="es-ES"/>
           </a:p>
@@ -3960,7 +3960,7 @@
             <a:fld id="{7A847CFC-816F-41D0-AAC0-9BF4FEBC753E}" type="datetimeFigureOut">
               <a:rPr lang="es-ES" smtClean="0"/>
               <a:pPr/>
-              <a:t>15/01/2017</a:t>
+              <a:t>28/06/2018</a:t>
             </a:fld>
             <a:endParaRPr lang="es-ES"/>
           </a:p>
@@ -5775,7 +5775,7 @@
           <a:graphicData uri="http://schemas.openxmlformats.org/presentationml/2006/ole">
             <mc:AlternateContent xmlns:mc="http://schemas.openxmlformats.org/markup-compatibility/2006">
               <mc:Choice xmlns:v="urn:schemas-microsoft-com:vml" Requires="v">
-                <p:oleObj spid="_x0000_s268358" name="Ecuación" r:id="rId3" imgW="495000" imgH="203040" progId="Equation.3">
+                <p:oleObj spid="_x0000_s268360" name="Ecuación" r:id="rId3" imgW="495000" imgH="203040" progId="Equation.3">
                   <p:embed/>
                 </p:oleObj>
               </mc:Choice>
@@ -6308,7 +6308,7 @@
             <a:graphicData uri="http://schemas.openxmlformats.org/presentationml/2006/ole">
               <mc:AlternateContent xmlns:mc="http://schemas.openxmlformats.org/markup-compatibility/2006">
                 <mc:Choice xmlns:v="urn:schemas-microsoft-com:vml" Requires="v">
-                  <p:oleObj spid="_x0000_s268359" name="Equation" r:id="rId5" imgW="495000" imgH="203040" progId="Equation.3">
+                  <p:oleObj spid="_x0000_s268361" name="Equation" r:id="rId5" imgW="495000" imgH="203040" progId="Equation.3">
                     <p:embed/>
                   </p:oleObj>
                 </mc:Choice>
@@ -6839,7 +6839,7 @@
           <a:graphicData uri="http://schemas.openxmlformats.org/presentationml/2006/ole">
             <mc:AlternateContent xmlns:mc="http://schemas.openxmlformats.org/markup-compatibility/2006">
               <mc:Choice xmlns:v="urn:schemas-microsoft-com:vml" Requires="v">
-                <p:oleObj spid="_x0000_s269454" name="Ecuación" r:id="rId3" imgW="545760" imgH="228600" progId="Equation.3">
+                <p:oleObj spid="_x0000_s269458" name="Ecuación" r:id="rId3" imgW="545760" imgH="228600" progId="Equation.3">
                   <p:embed/>
                 </p:oleObj>
               </mc:Choice>
@@ -6975,7 +6975,7 @@
           <a:graphicData uri="http://schemas.openxmlformats.org/presentationml/2006/ole">
             <mc:AlternateContent xmlns:mc="http://schemas.openxmlformats.org/markup-compatibility/2006">
               <mc:Choice xmlns:v="urn:schemas-microsoft-com:vml" Requires="v">
-                <p:oleObj spid="_x0000_s269455" name="Ecuación" r:id="rId5" imgW="545760" imgH="228600" progId="Equation.3">
+                <p:oleObj spid="_x0000_s269459" name="Ecuación" r:id="rId5" imgW="545760" imgH="228600" progId="Equation.3">
                   <p:embed/>
                 </p:oleObj>
               </mc:Choice>
@@ -8501,7 +8501,7 @@
           <a:graphicData uri="http://schemas.openxmlformats.org/presentationml/2006/ole">
             <mc:AlternateContent xmlns:mc="http://schemas.openxmlformats.org/markup-compatibility/2006">
               <mc:Choice xmlns:v="urn:schemas-microsoft-com:vml" Requires="v">
-                <p:oleObj spid="_x0000_s269456" name="Ecuación" r:id="rId7" imgW="609480" imgH="228600" progId="Equation.3">
+                <p:oleObj spid="_x0000_s269460" name="Ecuación" r:id="rId7" imgW="609480" imgH="228600" progId="Equation.3">
                   <p:embed/>
                 </p:oleObj>
               </mc:Choice>
@@ -8636,7 +8636,7 @@
           <a:graphicData uri="http://schemas.openxmlformats.org/presentationml/2006/ole">
             <mc:AlternateContent xmlns:mc="http://schemas.openxmlformats.org/markup-compatibility/2006">
               <mc:Choice xmlns:v="urn:schemas-microsoft-com:vml" Requires="v">
-                <p:oleObj spid="_x0000_s269457" name="Ecuación" r:id="rId9" imgW="596880" imgH="228600" progId="Equation.3">
+                <p:oleObj spid="_x0000_s269461" name="Ecuación" r:id="rId9" imgW="596880" imgH="228600" progId="Equation.3">
                   <p:embed/>
                 </p:oleObj>
               </mc:Choice>
@@ -9592,7 +9592,7 @@
           <a:graphicData uri="http://schemas.openxmlformats.org/presentationml/2006/ole">
             <mc:AlternateContent xmlns:mc="http://schemas.openxmlformats.org/markup-compatibility/2006">
               <mc:Choice xmlns:v="urn:schemas-microsoft-com:vml" Requires="v">
-                <p:oleObj spid="_x0000_s270372" name="Gráfico" r:id="rId3" imgW="6096000" imgH="4076700" progId="MSGraph.Chart.8">
+                <p:oleObj spid="_x0000_s270373" name="Gráfico" r:id="rId3" imgW="6096000" imgH="4076700" progId="MSGraph.Chart.8">
                   <p:embed followColorScheme="full"/>
                 </p:oleObj>
               </mc:Choice>
@@ -10168,7 +10168,7 @@
           <a:graphicData uri="http://schemas.openxmlformats.org/presentationml/2006/ole">
             <mc:AlternateContent xmlns:mc="http://schemas.openxmlformats.org/markup-compatibility/2006">
               <mc:Choice xmlns:v="urn:schemas-microsoft-com:vml" Requires="v">
-                <p:oleObj spid="_x0000_s271428" name="Ecuación" r:id="rId3" imgW="1002960" imgH="583920" progId="Equation.3">
+                <p:oleObj spid="_x0000_s271430" name="Ecuación" r:id="rId3" imgW="1002960" imgH="583920" progId="Equation.3">
                   <p:embed/>
                 </p:oleObj>
               </mc:Choice>
@@ -10629,7 +10629,7 @@
           <a:graphicData uri="http://schemas.openxmlformats.org/presentationml/2006/ole">
             <mc:AlternateContent xmlns:mc="http://schemas.openxmlformats.org/markup-compatibility/2006">
               <mc:Choice xmlns:v="urn:schemas-microsoft-com:vml" Requires="v">
-                <p:oleObj spid="_x0000_s271429" name="Ecuación" r:id="rId5" imgW="990360" imgH="1054080" progId="Equation.3">
+                <p:oleObj spid="_x0000_s271431" name="Ecuación" r:id="rId5" imgW="990360" imgH="1054080" progId="Equation.3">
                   <p:embed/>
                 </p:oleObj>
               </mc:Choice>
@@ -12816,17 +12816,83 @@
             <a:tbl>
               <a:tblPr/>
               <a:tblGrid>
-                <a:gridCol w="303213"/>
-                <a:gridCol w="279400"/>
-                <a:gridCol w="292100"/>
-                <a:gridCol w="205407"/>
-                <a:gridCol w="146383"/>
-                <a:gridCol w="292100"/>
-                <a:gridCol w="292100"/>
-                <a:gridCol w="290513"/>
-                <a:gridCol w="290512"/>
-                <a:gridCol w="292100"/>
-                <a:gridCol w="292100"/>
+                <a:gridCol w="303213">
+                  <a:extLst>
+                    <a:ext uri="{9D8B030D-6E8A-4147-A177-3AD203B41FA5}">
+                      <a16:colId xmlns:a16="http://schemas.microsoft.com/office/drawing/2014/main" val="20000"/>
+                    </a:ext>
+                  </a:extLst>
+                </a:gridCol>
+                <a:gridCol w="279400">
+                  <a:extLst>
+                    <a:ext uri="{9D8B030D-6E8A-4147-A177-3AD203B41FA5}">
+                      <a16:colId xmlns:a16="http://schemas.microsoft.com/office/drawing/2014/main" val="20001"/>
+                    </a:ext>
+                  </a:extLst>
+                </a:gridCol>
+                <a:gridCol w="292100">
+                  <a:extLst>
+                    <a:ext uri="{9D8B030D-6E8A-4147-A177-3AD203B41FA5}">
+                      <a16:colId xmlns:a16="http://schemas.microsoft.com/office/drawing/2014/main" val="20002"/>
+                    </a:ext>
+                  </a:extLst>
+                </a:gridCol>
+                <a:gridCol w="205407">
+                  <a:extLst>
+                    <a:ext uri="{9D8B030D-6E8A-4147-A177-3AD203B41FA5}">
+                      <a16:colId xmlns:a16="http://schemas.microsoft.com/office/drawing/2014/main" val="20003"/>
+                    </a:ext>
+                  </a:extLst>
+                </a:gridCol>
+                <a:gridCol w="146383">
+                  <a:extLst>
+                    <a:ext uri="{9D8B030D-6E8A-4147-A177-3AD203B41FA5}">
+                      <a16:colId xmlns:a16="http://schemas.microsoft.com/office/drawing/2014/main" val="20004"/>
+                    </a:ext>
+                  </a:extLst>
+                </a:gridCol>
+                <a:gridCol w="292100">
+                  <a:extLst>
+                    <a:ext uri="{9D8B030D-6E8A-4147-A177-3AD203B41FA5}">
+                      <a16:colId xmlns:a16="http://schemas.microsoft.com/office/drawing/2014/main" val="20005"/>
+                    </a:ext>
+                  </a:extLst>
+                </a:gridCol>
+                <a:gridCol w="292100">
+                  <a:extLst>
+                    <a:ext uri="{9D8B030D-6E8A-4147-A177-3AD203B41FA5}">
+                      <a16:colId xmlns:a16="http://schemas.microsoft.com/office/drawing/2014/main" val="20006"/>
+                    </a:ext>
+                  </a:extLst>
+                </a:gridCol>
+                <a:gridCol w="290513">
+                  <a:extLst>
+                    <a:ext uri="{9D8B030D-6E8A-4147-A177-3AD203B41FA5}">
+                      <a16:colId xmlns:a16="http://schemas.microsoft.com/office/drawing/2014/main" val="20007"/>
+                    </a:ext>
+                  </a:extLst>
+                </a:gridCol>
+                <a:gridCol w="290512">
+                  <a:extLst>
+                    <a:ext uri="{9D8B030D-6E8A-4147-A177-3AD203B41FA5}">
+                      <a16:colId xmlns:a16="http://schemas.microsoft.com/office/drawing/2014/main" val="20008"/>
+                    </a:ext>
+                  </a:extLst>
+                </a:gridCol>
+                <a:gridCol w="292100">
+                  <a:extLst>
+                    <a:ext uri="{9D8B030D-6E8A-4147-A177-3AD203B41FA5}">
+                      <a16:colId xmlns:a16="http://schemas.microsoft.com/office/drawing/2014/main" val="20009"/>
+                    </a:ext>
+                  </a:extLst>
+                </a:gridCol>
+                <a:gridCol w="292100">
+                  <a:extLst>
+                    <a:ext uri="{9D8B030D-6E8A-4147-A177-3AD203B41FA5}">
+                      <a16:colId xmlns:a16="http://schemas.microsoft.com/office/drawing/2014/main" val="20010"/>
+                    </a:ext>
+                  </a:extLst>
+                </a:gridCol>
               </a:tblGrid>
               <a:tr h="279400">
                 <a:tc>
@@ -13716,6 +13782,11 @@
                     </a:solidFill>
                   </a:tcPr>
                 </a:tc>
+                <a:extLst>
+                  <a:ext uri="{0D108BD9-81ED-4DB2-BD59-A6C34878D82A}">
+                    <a16:rowId xmlns:a16="http://schemas.microsoft.com/office/drawing/2014/main" val="10000"/>
+                  </a:ext>
+                </a:extLst>
               </a:tr>
               <a:tr h="280988">
                 <a:tc>
@@ -14608,6 +14679,11 @@
                     </a:solidFill>
                   </a:tcPr>
                 </a:tc>
+                <a:extLst>
+                  <a:ext uri="{0D108BD9-81ED-4DB2-BD59-A6C34878D82A}">
+                    <a16:rowId xmlns:a16="http://schemas.microsoft.com/office/drawing/2014/main" val="10001"/>
+                  </a:ext>
+                </a:extLst>
               </a:tr>
               <a:tr h="279400">
                 <a:tc>
@@ -15500,6 +15576,11 @@
                     </a:solidFill>
                   </a:tcPr>
                 </a:tc>
+                <a:extLst>
+                  <a:ext uri="{0D108BD9-81ED-4DB2-BD59-A6C34878D82A}">
+                    <a16:rowId xmlns:a16="http://schemas.microsoft.com/office/drawing/2014/main" val="10002"/>
+                  </a:ext>
+                </a:extLst>
               </a:tr>
               <a:tr h="280988">
                 <a:tc>
@@ -16392,6 +16473,11 @@
                     </a:solidFill>
                   </a:tcPr>
                 </a:tc>
+                <a:extLst>
+                  <a:ext uri="{0D108BD9-81ED-4DB2-BD59-A6C34878D82A}">
+                    <a16:rowId xmlns:a16="http://schemas.microsoft.com/office/drawing/2014/main" val="10003"/>
+                  </a:ext>
+                </a:extLst>
               </a:tr>
               <a:tr h="280988">
                 <a:tc>
@@ -17359,6 +17445,11 @@
                     </a:solidFill>
                   </a:tcPr>
                 </a:tc>
+                <a:extLst>
+                  <a:ext uri="{0D108BD9-81ED-4DB2-BD59-A6C34878D82A}">
+                    <a16:rowId xmlns:a16="http://schemas.microsoft.com/office/drawing/2014/main" val="10004"/>
+                  </a:ext>
+                </a:extLst>
               </a:tr>
               <a:tr h="280988">
                 <a:tc>
@@ -18251,6 +18342,11 @@
                     </a:solidFill>
                   </a:tcPr>
                 </a:tc>
+                <a:extLst>
+                  <a:ext uri="{0D108BD9-81ED-4DB2-BD59-A6C34878D82A}">
+                    <a16:rowId xmlns:a16="http://schemas.microsoft.com/office/drawing/2014/main" val="10005"/>
+                  </a:ext>
+                </a:extLst>
               </a:tr>
               <a:tr h="280988">
                 <a:tc>
@@ -19143,6 +19239,11 @@
                     </a:solidFill>
                   </a:tcPr>
                 </a:tc>
+                <a:extLst>
+                  <a:ext uri="{0D108BD9-81ED-4DB2-BD59-A6C34878D82A}">
+                    <a16:rowId xmlns:a16="http://schemas.microsoft.com/office/drawing/2014/main" val="10006"/>
+                  </a:ext>
+                </a:extLst>
               </a:tr>
               <a:tr h="280988">
                 <a:tc>
@@ -20035,6 +20136,11 @@
                     </a:solidFill>
                   </a:tcPr>
                 </a:tc>
+                <a:extLst>
+                  <a:ext uri="{0D108BD9-81ED-4DB2-BD59-A6C34878D82A}">
+                    <a16:rowId xmlns:a16="http://schemas.microsoft.com/office/drawing/2014/main" val="10007"/>
+                  </a:ext>
+                </a:extLst>
               </a:tr>
               <a:tr h="280988">
                 <a:tc>
@@ -20927,6 +21033,11 @@
                     </a:solidFill>
                   </a:tcPr>
                 </a:tc>
+                <a:extLst>
+                  <a:ext uri="{0D108BD9-81ED-4DB2-BD59-A6C34878D82A}">
+                    <a16:rowId xmlns:a16="http://schemas.microsoft.com/office/drawing/2014/main" val="10008"/>
+                  </a:ext>
+                </a:extLst>
               </a:tr>
               <a:tr h="282575">
                 <a:tc>
@@ -21819,6 +21930,11 @@
                     </a:solidFill>
                   </a:tcPr>
                 </a:tc>
+                <a:extLst>
+                  <a:ext uri="{0D108BD9-81ED-4DB2-BD59-A6C34878D82A}">
+                    <a16:rowId xmlns:a16="http://schemas.microsoft.com/office/drawing/2014/main" val="10009"/>
+                  </a:ext>
+                </a:extLst>
               </a:tr>
             </a:tbl>
           </a:graphicData>
@@ -22297,7 +22413,7 @@
           <a:graphicData uri="http://schemas.openxmlformats.org/presentationml/2006/ole">
             <mc:AlternateContent xmlns:mc="http://schemas.openxmlformats.org/markup-compatibility/2006">
               <mc:Choice xmlns:v="urn:schemas-microsoft-com:vml" Requires="v">
-                <p:oleObj spid="_x0000_s272422" name="Ecuación" r:id="rId3" imgW="545760" imgH="215640" progId="Equation.3">
+                <p:oleObj spid="_x0000_s272423" name="Ecuación" r:id="rId3" imgW="545760" imgH="215640" progId="Equation.3">
                   <p:embed/>
                 </p:oleObj>
               </mc:Choice>
@@ -24691,15 +24807,15 @@
             </a:r>
             <a:r>
               <a:rPr lang="es-ES" sz="2800" dirty="0" smtClean="0"/>
-              <a:t>conjunto </a:t>
-            </a:r>
-            <a:r>
-              <a:rPr lang="es-ES" sz="2800" dirty="0" err="1" smtClean="0"/>
-              <a:t>maximal</a:t>
+              <a:t>conjunto maximal </a:t>
             </a:r>
             <a:r>
               <a:rPr lang="es-ES" sz="2800" dirty="0" smtClean="0"/>
-              <a:t> </a:t>
+              <a:t>y</a:t>
+            </a:r>
+            <a:r>
+              <a:rPr lang="es-ES" sz="2800" dirty="0" smtClean="0"/>
+              <a:t/>
             </a:r>
             <a:br>
               <a:rPr lang="es-ES" sz="2800" dirty="0" smtClean="0"/>
@@ -24718,8 +24834,21 @@
             </a:pPr>
             <a:r>
               <a:rPr lang="es-ES" sz="2800" dirty="0"/>
-              <a:t>En grafos dirigidos: fuertemente conexa.</a:t>
-            </a:r>
+              <a:t>En </a:t>
+            </a:r>
+            <a:r>
+              <a:rPr lang="es-ES" sz="2800"/>
+              <a:t>grafos </a:t>
+            </a:r>
+            <a:r>
+              <a:rPr lang="es-ES" sz="2800" smtClean="0"/>
+              <a:t>dirigidos</a:t>
+            </a:r>
+            <a:r>
+              <a:rPr lang="es-ES" sz="2800"/>
+              <a:t>:</a:t>
+            </a:r>
+            <a:endParaRPr lang="es-ES" sz="2800" dirty="0"/>
           </a:p>
           <a:p>
             <a:pPr lvl="1">
@@ -24955,7 +25084,12 @@
             <p:ph idx="1"/>
           </p:nvPr>
         </p:nvSpPr>
-        <p:spPr/>
+        <p:spPr>
+          <a:xfrm>
+            <a:off x="609600" y="1600202"/>
+            <a:ext cx="5558408" cy="1934268"/>
+          </a:xfrm>
+        </p:spPr>
         <p:txBody>
           <a:bodyPr/>
           <a:lstStyle/>
@@ -24967,22 +25101,27 @@
           </a:p>
           <a:p>
             <a:r>
-              <a:rPr lang="es-ES" dirty="0" smtClean="0"/>
-              <a:t>Conexo : </a:t>
-            </a:r>
-            <a:r>
               <a:rPr lang="es-ES" b="1" dirty="0" smtClean="0"/>
               <a:t>Árbol</a:t>
             </a:r>
-          </a:p>
-          <a:p>
             <a:r>
               <a:rPr lang="es-ES" dirty="0" smtClean="0"/>
-              <a:t>Colección de árboles: </a:t>
-            </a:r>
+              <a:t>: si, además, es conexo.</a:t>
+            </a:r>
+            <a:endParaRPr lang="es-ES" dirty="0" smtClean="0"/>
+          </a:p>
+          <a:p>
             <a:r>
               <a:rPr lang="es-ES" b="1" dirty="0" smtClean="0"/>
               <a:t>Bosque</a:t>
+            </a:r>
+            <a:r>
+              <a:rPr lang="es-ES" dirty="0" smtClean="0"/>
+              <a:t>: Colección </a:t>
+            </a:r>
+            <a:r>
+              <a:rPr lang="es-ES" dirty="0"/>
+              <a:t>de árboles</a:t>
             </a:r>
             <a:endParaRPr lang="es-ES" b="1" dirty="0"/>
           </a:p>
@@ -25076,8 +25215,8 @@
         </p:nvSpPr>
         <p:spPr>
           <a:xfrm>
-            <a:off x="5807124" y="4475659"/>
-            <a:ext cx="5535490" cy="1569660"/>
+            <a:off x="5591944" y="4475659"/>
+            <a:ext cx="6265539" cy="1569660"/>
           </a:xfrm>
           <a:prstGeom prst="rect">
             <a:avLst/>
@@ -25085,38 +25224,34 @@
           <a:noFill/>
         </p:spPr>
         <p:txBody>
-          <a:bodyPr wrap="none" rtlCol="0">
+          <a:bodyPr wrap="square" rtlCol="0">
             <a:spAutoFit/>
           </a:bodyPr>
           <a:lstStyle/>
           <a:p>
             <a:r>
+              <a:rPr lang="es-ES" sz="3200" b="1" dirty="0" smtClean="0"/>
+              <a:t>Árbol Maximal de un </a:t>
+            </a:r>
+            <a:r>
+              <a:rPr lang="es-ES" sz="3200" b="1" dirty="0" smtClean="0"/>
+              <a:t>grafo conexo</a:t>
+            </a:r>
+            <a:r>
               <a:rPr lang="es-ES" sz="3200" dirty="0" smtClean="0"/>
-              <a:t>Árbol </a:t>
-            </a:r>
-            <a:r>
-              <a:rPr lang="es-ES" sz="3200" dirty="0" err="1" smtClean="0"/>
-              <a:t>Maximal</a:t>
+              <a:t>: árbol que </a:t>
             </a:r>
             <a:r>
               <a:rPr lang="es-ES" sz="3200" dirty="0" smtClean="0"/>
-              <a:t> de un grafo: árbol</a:t>
-            </a:r>
-          </a:p>
-          <a:p>
+              <a:t>contiene todos los nodos del </a:t>
+            </a:r>
             <a:r>
               <a:rPr lang="es-ES" sz="3200" dirty="0" smtClean="0"/>
-              <a:t>que contiene todos los nodos del </a:t>
-            </a:r>
-          </a:p>
-          <a:p>
-            <a:r>
-              <a:rPr lang="es-ES" sz="3200" dirty="0"/>
-              <a:t>g</a:t>
+              <a:t>grafo </a:t>
             </a:r>
             <a:r>
               <a:rPr lang="es-ES" sz="3200" dirty="0" smtClean="0"/>
-              <a:t>rafo original.</a:t>
+              <a:t>original.</a:t>
             </a:r>
             <a:endParaRPr lang="es-ES" sz="3200" dirty="0"/>
           </a:p>
